--- a/Leçon chimie/LC 14/LC14 Liaisons chimiques.pptx
+++ b/Leçon chimie/LC 14/LC14 Liaisons chimiques.pptx
@@ -132,7 +132,7 @@
   </p:defaultTextStyle>
   <p:extLst>
     <p:ext uri="{EFAFB233-063F-42B5-8137-9DF3F51BA10A}">
-      <p15:sldGuideLst xmlns="" xmlns:p15="http://schemas.microsoft.com/office/powerpoint/2012/main"/>
+      <p15:sldGuideLst xmlns:p15="http://schemas.microsoft.com/office/powerpoint/2012/main" xmlns=""/>
     </p:ext>
   </p:extLst>
 </p:presentation>
@@ -221,7 +221,7 @@
             <a:fld id="{17AF0E79-072F-4E5C-9286-98ECF95E8546}" type="datetimeFigureOut">
               <a:rPr lang="fr-FR" smtClean="0"/>
               <a:pPr/>
-              <a:t>21/05/20</a:t>
+              <a:t>21/06/20</a:t>
             </a:fld>
             <a:endParaRPr lang="fr-FR"/>
           </a:p>
@@ -671,7 +671,7 @@
             <a:fld id="{4E140AB5-96CA-4576-A2A4-2853360B413B}" type="datetime1">
               <a:rPr lang="fr-FR" smtClean="0"/>
               <a:pPr/>
-              <a:t>21/05/20</a:t>
+              <a:t>21/06/20</a:t>
             </a:fld>
             <a:endParaRPr lang="fr-FR"/>
           </a:p>
@@ -838,7 +838,7 @@
             <a:fld id="{F4250564-8DC1-4500-A71A-E02D529847B6}" type="datetime1">
               <a:rPr lang="fr-FR" smtClean="0"/>
               <a:pPr/>
-              <a:t>21/05/20</a:t>
+              <a:t>21/06/20</a:t>
             </a:fld>
             <a:endParaRPr lang="fr-FR"/>
           </a:p>
@@ -1015,7 +1015,7 @@
             <a:fld id="{9BF6E496-4109-4EDE-88F3-038E8761E1E3}" type="datetime1">
               <a:rPr lang="fr-FR" smtClean="0"/>
               <a:pPr/>
-              <a:t>21/05/20</a:t>
+              <a:t>21/06/20</a:t>
             </a:fld>
             <a:endParaRPr lang="fr-FR"/>
           </a:p>
@@ -1541,7 +1541,7 @@
             <a:fld id="{2208BD93-9A0C-438C-AAF5-3C53E61B3C6B}" type="datetime1">
               <a:rPr lang="fr-FR" smtClean="0"/>
               <a:pPr/>
-              <a:t>21/05/20</a:t>
+              <a:t>21/06/20</a:t>
             </a:fld>
             <a:endParaRPr lang="fr-FR"/>
           </a:p>
@@ -1784,7 +1784,7 @@
             <a:fld id="{415100AE-0C52-4A55-917A-AACD907B410E}" type="datetime1">
               <a:rPr lang="fr-FR" smtClean="0"/>
               <a:pPr/>
-              <a:t>21/05/20</a:t>
+              <a:t>21/06/20</a:t>
             </a:fld>
             <a:endParaRPr lang="fr-FR"/>
           </a:p>
@@ -2069,7 +2069,7 @@
             <a:fld id="{493AEAA5-7E67-40AD-AA46-70B1A11CA372}" type="datetime1">
               <a:rPr lang="fr-FR" smtClean="0"/>
               <a:pPr/>
-              <a:t>21/05/20</a:t>
+              <a:t>21/06/20</a:t>
             </a:fld>
             <a:endParaRPr lang="fr-FR"/>
           </a:p>
@@ -2493,7 +2493,7 @@
             <a:fld id="{3DFC95B2-5D3C-4B00-BA95-214B4B668B6A}" type="datetime1">
               <a:rPr lang="fr-FR" smtClean="0"/>
               <a:pPr/>
-              <a:t>21/05/20</a:t>
+              <a:t>21/06/20</a:t>
             </a:fld>
             <a:endParaRPr lang="fr-FR"/>
           </a:p>
@@ -2608,7 +2608,7 @@
             <a:fld id="{F6605669-6DD8-46D2-BBC6-CF8F449B99DC}" type="datetime1">
               <a:rPr lang="fr-FR" smtClean="0"/>
               <a:pPr/>
-              <a:t>21/05/20</a:t>
+              <a:t>21/06/20</a:t>
             </a:fld>
             <a:endParaRPr lang="fr-FR"/>
           </a:p>
@@ -2700,7 +2700,7 @@
             <a:fld id="{1B0E58CD-4921-4DE9-8097-7214BA2BFA8B}" type="datetime1">
               <a:rPr lang="fr-FR" smtClean="0"/>
               <a:pPr/>
-              <a:t>21/05/20</a:t>
+              <a:t>21/06/20</a:t>
             </a:fld>
             <a:endParaRPr lang="fr-FR"/>
           </a:p>
@@ -2974,7 +2974,7 @@
             <a:fld id="{824F0C40-03AC-4926-BE04-A295D69D6CAB}" type="datetime1">
               <a:rPr lang="fr-FR" smtClean="0"/>
               <a:pPr/>
-              <a:t>21/05/20</a:t>
+              <a:t>21/06/20</a:t>
             </a:fld>
             <a:endParaRPr lang="fr-FR"/>
           </a:p>
@@ -3224,7 +3224,7 @@
             <a:fld id="{D94375AB-1D70-4066-97FA-3B7690B98807}" type="datetime1">
               <a:rPr lang="fr-FR" smtClean="0"/>
               <a:pPr/>
-              <a:t>21/05/20</a:t>
+              <a:t>21/06/20</a:t>
             </a:fld>
             <a:endParaRPr lang="fr-FR"/>
           </a:p>
@@ -3434,7 +3434,7 @@
             <a:fld id="{75F97F49-8947-43F2-80D8-8E7F20C52A59}" type="datetime1">
               <a:rPr lang="fr-FR" smtClean="0"/>
               <a:pPr/>
-              <a:t>21/05/20</a:t>
+              <a:t>21/06/20</a:t>
             </a:fld>
             <a:endParaRPr lang="fr-FR"/>
           </a:p>
@@ -3812,7 +3812,7 @@
           <p:cNvPr id="2" name="Titre 1">
             <a:extLst>
               <a:ext uri="{FF2B5EF4-FFF2-40B4-BE49-F238E27FC236}">
-                <a16:creationId xmlns="" xmlns:a16="http://schemas.microsoft.com/office/drawing/2014/main" id="{871FDCDA-F774-4BF6-9F32-C636B0847EE5}"/>
+                <a16:creationId xmlns:a16="http://schemas.microsoft.com/office/drawing/2014/main" xmlns="" id="{871FDCDA-F774-4BF6-9F32-C636B0847EE5}"/>
               </a:ext>
             </a:extLst>
           </p:cNvPr>
@@ -3869,11 +3869,7 @@
             </a:pPr>
             <a:r>
               <a:rPr lang="fr-FR" b="1" dirty="0" smtClean="0"/>
-              <a:t>Agrégation </a:t>
-            </a:r>
-            <a:r>
-              <a:rPr lang="fr-FR" b="1" dirty="0" smtClean="0"/>
-              <a:t>2020</a:t>
+              <a:t>Agrégation 2020</a:t>
             </a:r>
           </a:p>
           <a:p>
@@ -4097,7 +4093,7 @@
           <p:cNvPr id="2" name="Titre 1">
             <a:extLst>
               <a:ext uri="{FF2B5EF4-FFF2-40B4-BE49-F238E27FC236}">
-                <a16:creationId xmlns:a16="http://schemas.microsoft.com/office/drawing/2014/main" xmlns="" id="{242C299C-5F36-46E1-A0EA-432109ADB367}"/>
+                <a16:creationId xmlns="" xmlns:a16="http://schemas.microsoft.com/office/drawing/2014/main" id="{242C299C-5F36-46E1-A0EA-432109ADB367}"/>
               </a:ext>
             </a:extLst>
           </p:cNvPr>
@@ -4125,7 +4121,7 @@
           <p:cNvPr id="3" name="Espace réservé du numéro de diapositive 2">
             <a:extLst>
               <a:ext uri="{FF2B5EF4-FFF2-40B4-BE49-F238E27FC236}">
-                <a16:creationId xmlns:a16="http://schemas.microsoft.com/office/drawing/2014/main" xmlns="" id="{FBE869E5-7A05-4E00-AA32-346428411272}"/>
+                <a16:creationId xmlns="" xmlns:a16="http://schemas.microsoft.com/office/drawing/2014/main" id="{FBE869E5-7A05-4E00-AA32-346428411272}"/>
               </a:ext>
             </a:extLst>
           </p:cNvPr>
@@ -4154,7 +4150,7 @@
           <p:cNvPr id="3074" name="Picture 2" descr="Sel de Maldon (cristaux purs) - Achat et utilisation - L'ile aux ...">
             <a:extLst>
               <a:ext uri="{FF2B5EF4-FFF2-40B4-BE49-F238E27FC236}">
-                <a16:creationId xmlns:a16="http://schemas.microsoft.com/office/drawing/2014/main" xmlns="" id="{792B4508-61B1-4969-AA55-7C09CB7B3A3F}"/>
+                <a16:creationId xmlns="" xmlns:a16="http://schemas.microsoft.com/office/drawing/2014/main" id="{792B4508-61B1-4969-AA55-7C09CB7B3A3F}"/>
               </a:ext>
             </a:extLst>
           </p:cNvPr>
@@ -4201,7 +4197,7 @@
           <p:cNvPr id="3076" name="Picture 4" descr="Chlorure de sodium — Wikipédia">
             <a:extLst>
               <a:ext uri="{FF2B5EF4-FFF2-40B4-BE49-F238E27FC236}">
-                <a16:creationId xmlns:a16="http://schemas.microsoft.com/office/drawing/2014/main" xmlns="" id="{B2A68B3D-0B20-443A-8045-B5B0BC4AFCF7}"/>
+                <a16:creationId xmlns="" xmlns:a16="http://schemas.microsoft.com/office/drawing/2014/main" id="{B2A68B3D-0B20-443A-8045-B5B0BC4AFCF7}"/>
               </a:ext>
             </a:extLst>
           </p:cNvPr>
@@ -4428,7 +4424,7 @@
           <p:cNvPr id="2" name="Titre 1">
             <a:extLst>
               <a:ext uri="{FF2B5EF4-FFF2-40B4-BE49-F238E27FC236}">
-                <a16:creationId xmlns:a16="http://schemas.microsoft.com/office/drawing/2014/main" xmlns="" id="{242C299C-5F36-46E1-A0EA-432109ADB367}"/>
+                <a16:creationId xmlns="" xmlns:a16="http://schemas.microsoft.com/office/drawing/2014/main" id="{242C299C-5F36-46E1-A0EA-432109ADB367}"/>
               </a:ext>
             </a:extLst>
           </p:cNvPr>
@@ -4457,7 +4453,7 @@
           <p:cNvPr id="3" name="Espace réservé du numéro de diapositive 2">
             <a:extLst>
               <a:ext uri="{FF2B5EF4-FFF2-40B4-BE49-F238E27FC236}">
-                <a16:creationId xmlns:a16="http://schemas.microsoft.com/office/drawing/2014/main" xmlns="" id="{FBE869E5-7A05-4E00-AA32-346428411272}"/>
+                <a16:creationId xmlns="" xmlns:a16="http://schemas.microsoft.com/office/drawing/2014/main" id="{FBE869E5-7A05-4E00-AA32-346428411272}"/>
               </a:ext>
             </a:extLst>
           </p:cNvPr>
@@ -4486,7 +4482,7 @@
           <p:cNvPr id="12" name="Picture 2" descr="Sel de Maldon (cristaux purs) - Achat et utilisation - L'ile aux ...">
             <a:extLst>
               <a:ext uri="{FF2B5EF4-FFF2-40B4-BE49-F238E27FC236}">
-                <a16:creationId xmlns:a16="http://schemas.microsoft.com/office/drawing/2014/main" xmlns="" id="{792B4508-61B1-4969-AA55-7C09CB7B3A3F}"/>
+                <a16:creationId xmlns="" xmlns:a16="http://schemas.microsoft.com/office/drawing/2014/main" id="{792B4508-61B1-4969-AA55-7C09CB7B3A3F}"/>
               </a:ext>
             </a:extLst>
           </p:cNvPr>
@@ -4647,7 +4643,7 @@
           <p:cNvPr id="2" name="Titre 1">
             <a:extLst>
               <a:ext uri="{FF2B5EF4-FFF2-40B4-BE49-F238E27FC236}">
-                <a16:creationId xmlns:a16="http://schemas.microsoft.com/office/drawing/2014/main" xmlns="" id="{242C299C-5F36-46E1-A0EA-432109ADB367}"/>
+                <a16:creationId xmlns="" xmlns:a16="http://schemas.microsoft.com/office/drawing/2014/main" id="{242C299C-5F36-46E1-A0EA-432109ADB367}"/>
               </a:ext>
             </a:extLst>
           </p:cNvPr>
@@ -4667,7 +4663,6 @@
               <a:rPr lang="fr-FR" dirty="0"/>
               <a:t>De l’atome à la molécule et au solide ionique …</a:t>
             </a:r>
-            <a:endParaRPr lang="fr-FR" dirty="0"/>
           </a:p>
         </p:txBody>
       </p:sp>
@@ -4676,7 +4671,7 @@
           <p:cNvPr id="3" name="Espace réservé du numéro de diapositive 2">
             <a:extLst>
               <a:ext uri="{FF2B5EF4-FFF2-40B4-BE49-F238E27FC236}">
-                <a16:creationId xmlns:a16="http://schemas.microsoft.com/office/drawing/2014/main" xmlns="" id="{FBE869E5-7A05-4E00-AA32-346428411272}"/>
+                <a16:creationId xmlns="" xmlns:a16="http://schemas.microsoft.com/office/drawing/2014/main" id="{FBE869E5-7A05-4E00-AA32-346428411272}"/>
               </a:ext>
             </a:extLst>
           </p:cNvPr>
@@ -4705,7 +4700,7 @@
           <p:cNvPr id="12" name="Picture 2" descr="Sel de Maldon (cristaux purs) - Achat et utilisation - L'ile aux ...">
             <a:extLst>
               <a:ext uri="{FF2B5EF4-FFF2-40B4-BE49-F238E27FC236}">
-                <a16:creationId xmlns:a16="http://schemas.microsoft.com/office/drawing/2014/main" xmlns="" id="{792B4508-61B1-4969-AA55-7C09CB7B3A3F}"/>
+                <a16:creationId xmlns="" xmlns:a16="http://schemas.microsoft.com/office/drawing/2014/main" id="{792B4508-61B1-4969-AA55-7C09CB7B3A3F}"/>
               </a:ext>
             </a:extLst>
           </p:cNvPr>
@@ -5096,7 +5091,7 @@
           <p:cNvPr id="2" name="Titre 1">
             <a:extLst>
               <a:ext uri="{FF2B5EF4-FFF2-40B4-BE49-F238E27FC236}">
-                <a16:creationId xmlns:a16="http://schemas.microsoft.com/office/drawing/2014/main" xmlns="" id="{242C299C-5F36-46E1-A0EA-432109ADB367}"/>
+                <a16:creationId xmlns="" xmlns:a16="http://schemas.microsoft.com/office/drawing/2014/main" id="{242C299C-5F36-46E1-A0EA-432109ADB367}"/>
               </a:ext>
             </a:extLst>
           </p:cNvPr>
@@ -5114,11 +5109,7 @@
           <a:p>
             <a:r>
               <a:rPr lang="fr-FR" dirty="0" smtClean="0"/>
-              <a:t>…et d</a:t>
-            </a:r>
-            <a:r>
-              <a:rPr lang="fr-FR" dirty="0" smtClean="0"/>
-              <a:t>e la molécule aux phases condensées </a:t>
+              <a:t>…et de la molécule aux phases condensées </a:t>
             </a:r>
             <a:endParaRPr lang="fr-FR" dirty="0"/>
           </a:p>
@@ -5129,7 +5120,7 @@
           <p:cNvPr id="3" name="Espace réservé du numéro de diapositive 2">
             <a:extLst>
               <a:ext uri="{FF2B5EF4-FFF2-40B4-BE49-F238E27FC236}">
-                <a16:creationId xmlns:a16="http://schemas.microsoft.com/office/drawing/2014/main" xmlns="" id="{FBE869E5-7A05-4E00-AA32-346428411272}"/>
+                <a16:creationId xmlns="" xmlns:a16="http://schemas.microsoft.com/office/drawing/2014/main" id="{FBE869E5-7A05-4E00-AA32-346428411272}"/>
               </a:ext>
             </a:extLst>
           </p:cNvPr>
@@ -5158,7 +5149,7 @@
           <p:cNvPr id="12" name="Picture 2" descr="Sel de Maldon (cristaux purs) - Achat et utilisation - L'ile aux ...">
             <a:extLst>
               <a:ext uri="{FF2B5EF4-FFF2-40B4-BE49-F238E27FC236}">
-                <a16:creationId xmlns:a16="http://schemas.microsoft.com/office/drawing/2014/main" xmlns="" id="{792B4508-61B1-4969-AA55-7C09CB7B3A3F}"/>
+                <a16:creationId xmlns="" xmlns:a16="http://schemas.microsoft.com/office/drawing/2014/main" id="{792B4508-61B1-4969-AA55-7C09CB7B3A3F}"/>
               </a:ext>
             </a:extLst>
           </p:cNvPr>
@@ -5831,7 +5822,7 @@
           <p:cNvPr id="2" name="Titre 1">
             <a:extLst>
               <a:ext uri="{FF2B5EF4-FFF2-40B4-BE49-F238E27FC236}">
-                <a16:creationId xmlns:a16="http://schemas.microsoft.com/office/drawing/2014/main" xmlns="" id="{242C299C-5F36-46E1-A0EA-432109ADB367}"/>
+                <a16:creationId xmlns="" xmlns:a16="http://schemas.microsoft.com/office/drawing/2014/main" id="{242C299C-5F36-46E1-A0EA-432109ADB367}"/>
               </a:ext>
             </a:extLst>
           </p:cNvPr>
@@ -5849,11 +5840,7 @@
           <a:p>
             <a:r>
               <a:rPr lang="fr-FR" dirty="0" smtClean="0"/>
-              <a:t>…et d</a:t>
-            </a:r>
-            <a:r>
-              <a:rPr lang="fr-FR" dirty="0" smtClean="0"/>
-              <a:t>e la molécule aux phases condensées </a:t>
+              <a:t>…et de la molécule aux phases condensées </a:t>
             </a:r>
             <a:endParaRPr lang="fr-FR" dirty="0"/>
           </a:p>
@@ -5864,7 +5851,7 @@
           <p:cNvPr id="3" name="Espace réservé du numéro de diapositive 2">
             <a:extLst>
               <a:ext uri="{FF2B5EF4-FFF2-40B4-BE49-F238E27FC236}">
-                <a16:creationId xmlns:a16="http://schemas.microsoft.com/office/drawing/2014/main" xmlns="" id="{FBE869E5-7A05-4E00-AA32-346428411272}"/>
+                <a16:creationId xmlns="" xmlns:a16="http://schemas.microsoft.com/office/drawing/2014/main" id="{FBE869E5-7A05-4E00-AA32-346428411272}"/>
               </a:ext>
             </a:extLst>
           </p:cNvPr>
@@ -5893,7 +5880,7 @@
           <p:cNvPr id="12" name="Picture 2" descr="Sel de Maldon (cristaux purs) - Achat et utilisation - L'ile aux ...">
             <a:extLst>
               <a:ext uri="{FF2B5EF4-FFF2-40B4-BE49-F238E27FC236}">
-                <a16:creationId xmlns:a16="http://schemas.microsoft.com/office/drawing/2014/main" xmlns="" id="{792B4508-61B1-4969-AA55-7C09CB7B3A3F}"/>
+                <a16:creationId xmlns="" xmlns:a16="http://schemas.microsoft.com/office/drawing/2014/main" id="{792B4508-61B1-4969-AA55-7C09CB7B3A3F}"/>
               </a:ext>
             </a:extLst>
           </p:cNvPr>
@@ -6522,7 +6509,7 @@
           <p:cNvPr id="2" name="Titre 1">
             <a:extLst>
               <a:ext uri="{FF2B5EF4-FFF2-40B4-BE49-F238E27FC236}">
-                <a16:creationId xmlns:a16="http://schemas.microsoft.com/office/drawing/2014/main" xmlns="" id="{E6321687-A3A9-4248-BD6B-BB7A6B290E02}"/>
+                <a16:creationId xmlns="" xmlns:a16="http://schemas.microsoft.com/office/drawing/2014/main" id="{E6321687-A3A9-4248-BD6B-BB7A6B290E02}"/>
               </a:ext>
             </a:extLst>
           </p:cNvPr>
@@ -6550,7 +6537,7 @@
           <p:cNvPr id="3" name="Espace réservé du numéro de diapositive 2">
             <a:extLst>
               <a:ext uri="{FF2B5EF4-FFF2-40B4-BE49-F238E27FC236}">
-                <a16:creationId xmlns:a16="http://schemas.microsoft.com/office/drawing/2014/main" xmlns="" id="{DF849D85-ED59-45AD-8F77-D958730E305C}"/>
+                <a16:creationId xmlns="" xmlns:a16="http://schemas.microsoft.com/office/drawing/2014/main" id="{DF849D85-ED59-45AD-8F77-D958730E305C}"/>
               </a:ext>
             </a:extLst>
           </p:cNvPr>
@@ -6579,7 +6566,7 @@
           <p:cNvPr id="4" name="Image 3">
             <a:extLst>
               <a:ext uri="{FF2B5EF4-FFF2-40B4-BE49-F238E27FC236}">
-                <a16:creationId xmlns:a16="http://schemas.microsoft.com/office/drawing/2014/main" xmlns="" id="{DF4EBADD-BB4A-4010-87D7-24F12C2E312E}"/>
+                <a16:creationId xmlns="" xmlns:a16="http://schemas.microsoft.com/office/drawing/2014/main" id="{DF4EBADD-BB4A-4010-87D7-24F12C2E312E}"/>
               </a:ext>
             </a:extLst>
           </p:cNvPr>
@@ -6609,7 +6596,7 @@
           <p:cNvPr id="5" name="Rectangle 4">
             <a:extLst>
               <a:ext uri="{FF2B5EF4-FFF2-40B4-BE49-F238E27FC236}">
-                <a16:creationId xmlns:a16="http://schemas.microsoft.com/office/drawing/2014/main" xmlns="" id="{9781F7BB-9F62-42D3-AA11-A544AC03126A}"/>
+                <a16:creationId xmlns="" xmlns:a16="http://schemas.microsoft.com/office/drawing/2014/main" id="{9781F7BB-9F62-42D3-AA11-A544AC03126A}"/>
               </a:ext>
             </a:extLst>
           </p:cNvPr>
@@ -6680,7 +6667,7 @@
           <p:cNvPr id="6" name="Image 5">
             <a:extLst>
               <a:ext uri="{FF2B5EF4-FFF2-40B4-BE49-F238E27FC236}">
-                <a16:creationId xmlns:a16="http://schemas.microsoft.com/office/drawing/2014/main" xmlns="" id="{123AE665-240E-4514-B6EC-261AD5E1D666}"/>
+                <a16:creationId xmlns="" xmlns:a16="http://schemas.microsoft.com/office/drawing/2014/main" id="{123AE665-240E-4514-B6EC-261AD5E1D666}"/>
               </a:ext>
             </a:extLst>
           </p:cNvPr>
@@ -6710,7 +6697,7 @@
           <p:cNvPr id="7" name="Rectangle 6">
             <a:extLst>
               <a:ext uri="{FF2B5EF4-FFF2-40B4-BE49-F238E27FC236}">
-                <a16:creationId xmlns:a16="http://schemas.microsoft.com/office/drawing/2014/main" xmlns="" id="{C8915F49-3D2E-4C37-B483-39D53A7F2C74}"/>
+                <a16:creationId xmlns="" xmlns:a16="http://schemas.microsoft.com/office/drawing/2014/main" id="{C8915F49-3D2E-4C37-B483-39D53A7F2C74}"/>
               </a:ext>
             </a:extLst>
           </p:cNvPr>
@@ -6777,7 +6764,7 @@
           <p:cNvPr id="2" name="Titre 1">
             <a:extLst>
               <a:ext uri="{FF2B5EF4-FFF2-40B4-BE49-F238E27FC236}">
-                <a16:creationId xmlns:a16="http://schemas.microsoft.com/office/drawing/2014/main" xmlns="" id="{C8C38595-7D82-459B-956C-CFE1969A898F}"/>
+                <a16:creationId xmlns="" xmlns:a16="http://schemas.microsoft.com/office/drawing/2014/main" id="{C8C38595-7D82-459B-956C-CFE1969A898F}"/>
               </a:ext>
             </a:extLst>
           </p:cNvPr>
@@ -6822,7 +6809,7 @@
           <p:cNvPr id="3" name="Espace réservé du numéro de diapositive 2">
             <a:extLst>
               <a:ext uri="{FF2B5EF4-FFF2-40B4-BE49-F238E27FC236}">
-                <a16:creationId xmlns:a16="http://schemas.microsoft.com/office/drawing/2014/main" xmlns="" id="{802F624C-D47A-471D-9097-C022E576F987}"/>
+                <a16:creationId xmlns="" xmlns:a16="http://schemas.microsoft.com/office/drawing/2014/main" id="{802F624C-D47A-471D-9097-C022E576F987}"/>
               </a:ext>
             </a:extLst>
           </p:cNvPr>
@@ -6851,7 +6838,7 @@
           <p:cNvPr id="5" name="Rectangle 4">
             <a:extLst>
               <a:ext uri="{FF2B5EF4-FFF2-40B4-BE49-F238E27FC236}">
-                <a16:creationId xmlns:a16="http://schemas.microsoft.com/office/drawing/2014/main" xmlns="" id="{0ED157D2-6BD1-4AFD-9F79-4111777113F4}"/>
+                <a16:creationId xmlns="" xmlns:a16="http://schemas.microsoft.com/office/drawing/2014/main" id="{0ED157D2-6BD1-4AFD-9F79-4111777113F4}"/>
               </a:ext>
             </a:extLst>
           </p:cNvPr>
@@ -6888,7 +6875,7 @@
           <p:cNvPr id="6" name="Image 5">
             <a:extLst>
               <a:ext uri="{FF2B5EF4-FFF2-40B4-BE49-F238E27FC236}">
-                <a16:creationId xmlns:a16="http://schemas.microsoft.com/office/drawing/2014/main" xmlns="" id="{EA780D88-1E7D-4954-8C2D-914150F3F9C8}"/>
+                <a16:creationId xmlns="" xmlns:a16="http://schemas.microsoft.com/office/drawing/2014/main" id="{EA780D88-1E7D-4954-8C2D-914150F3F9C8}"/>
               </a:ext>
             </a:extLst>
           </p:cNvPr>
@@ -6948,7 +6935,7 @@
           <p:cNvPr id="2" name="Titre 1">
             <a:extLst>
               <a:ext uri="{FF2B5EF4-FFF2-40B4-BE49-F238E27FC236}">
-                <a16:creationId xmlns:a16="http://schemas.microsoft.com/office/drawing/2014/main" xmlns="" id="{C8C38595-7D82-459B-956C-CFE1969A898F}"/>
+                <a16:creationId xmlns="" xmlns:a16="http://schemas.microsoft.com/office/drawing/2014/main" id="{C8C38595-7D82-459B-956C-CFE1969A898F}"/>
               </a:ext>
             </a:extLst>
           </p:cNvPr>
@@ -6997,7 +6984,7 @@
           <p:cNvPr id="3" name="Espace réservé du numéro de diapositive 2">
             <a:extLst>
               <a:ext uri="{FF2B5EF4-FFF2-40B4-BE49-F238E27FC236}">
-                <a16:creationId xmlns:a16="http://schemas.microsoft.com/office/drawing/2014/main" xmlns="" id="{802F624C-D47A-471D-9097-C022E576F987}"/>
+                <a16:creationId xmlns="" xmlns:a16="http://schemas.microsoft.com/office/drawing/2014/main" id="{802F624C-D47A-471D-9097-C022E576F987}"/>
               </a:ext>
             </a:extLst>
           </p:cNvPr>
@@ -7026,7 +7013,7 @@
           <p:cNvPr id="4" name="Image 3">
             <a:extLst>
               <a:ext uri="{FF2B5EF4-FFF2-40B4-BE49-F238E27FC236}">
-                <a16:creationId xmlns:a16="http://schemas.microsoft.com/office/drawing/2014/main" xmlns="" id="{5F020047-A271-43C4-853D-30AA2B008DD3}"/>
+                <a16:creationId xmlns="" xmlns:a16="http://schemas.microsoft.com/office/drawing/2014/main" id="{5F020047-A271-43C4-853D-30AA2B008DD3}"/>
               </a:ext>
             </a:extLst>
           </p:cNvPr>
@@ -7056,7 +7043,7 @@
           <p:cNvPr id="5" name="Rectangle 4">
             <a:extLst>
               <a:ext uri="{FF2B5EF4-FFF2-40B4-BE49-F238E27FC236}">
-                <a16:creationId xmlns:a16="http://schemas.microsoft.com/office/drawing/2014/main" xmlns="" id="{0ED157D2-6BD1-4AFD-9F79-4111777113F4}"/>
+                <a16:creationId xmlns="" xmlns:a16="http://schemas.microsoft.com/office/drawing/2014/main" id="{0ED157D2-6BD1-4AFD-9F79-4111777113F4}"/>
               </a:ext>
             </a:extLst>
           </p:cNvPr>
@@ -7123,7 +7110,7 @@
           <p:cNvPr id="2" name="Titre 1">
             <a:extLst>
               <a:ext uri="{FF2B5EF4-FFF2-40B4-BE49-F238E27FC236}">
-                <a16:creationId xmlns:a16="http://schemas.microsoft.com/office/drawing/2014/main" xmlns="" id="{EF70F06D-B25B-4849-8110-4833B7AF16B5}"/>
+                <a16:creationId xmlns="" xmlns:a16="http://schemas.microsoft.com/office/drawing/2014/main" id="{EF70F06D-B25B-4849-8110-4833B7AF16B5}"/>
               </a:ext>
             </a:extLst>
           </p:cNvPr>
@@ -7155,7 +7142,7 @@
           <p:cNvPr id="3" name="Espace réservé du numéro de diapositive 2">
             <a:extLst>
               <a:ext uri="{FF2B5EF4-FFF2-40B4-BE49-F238E27FC236}">
-                <a16:creationId xmlns:a16="http://schemas.microsoft.com/office/drawing/2014/main" xmlns="" id="{9FED31C8-35E3-4499-BA37-2A860267583C}"/>
+                <a16:creationId xmlns="" xmlns:a16="http://schemas.microsoft.com/office/drawing/2014/main" id="{9FED31C8-35E3-4499-BA37-2A860267583C}"/>
               </a:ext>
             </a:extLst>
           </p:cNvPr>
@@ -7326,7 +7313,7 @@
           <p:cNvPr id="9" name="Picture 8" descr="De quoi est composé l'atome? | Centre des sciences de Montréal">
             <a:extLst>
               <a:ext uri="{FF2B5EF4-FFF2-40B4-BE49-F238E27FC236}">
-                <a16:creationId xmlns:a16="http://schemas.microsoft.com/office/drawing/2014/main" xmlns="" id="{9BD34C0A-A5E4-42EF-8184-5E39AE7A11AD}"/>
+                <a16:creationId xmlns="" xmlns:a16="http://schemas.microsoft.com/office/drawing/2014/main" id="{9BD34C0A-A5E4-42EF-8184-5E39AE7A11AD}"/>
               </a:ext>
             </a:extLst>
           </p:cNvPr>
@@ -7407,7 +7394,7 @@
           <p:cNvPr id="11" name="Picture 2" descr="Diamant et Graphite">
             <a:extLst>
               <a:ext uri="{FF2B5EF4-FFF2-40B4-BE49-F238E27FC236}">
-                <a16:creationId xmlns:a16="http://schemas.microsoft.com/office/drawing/2014/main" xmlns="" id="{0AA1E4F4-C33D-46EF-A033-8D96E52D3276}"/>
+                <a16:creationId xmlns="" xmlns:a16="http://schemas.microsoft.com/office/drawing/2014/main" id="{0AA1E4F4-C33D-46EF-A033-8D96E52D3276}"/>
               </a:ext>
             </a:extLst>
           </p:cNvPr>
@@ -7573,7 +7560,7 @@
           <p:cNvPr id="2" name="Titre 1">
             <a:extLst>
               <a:ext uri="{FF2B5EF4-FFF2-40B4-BE49-F238E27FC236}">
-                <a16:creationId xmlns:a16="http://schemas.microsoft.com/office/drawing/2014/main" xmlns="" id="{AC779F8A-D9B3-4AC4-8510-E875A2A4FC66}"/>
+                <a16:creationId xmlns="" xmlns:a16="http://schemas.microsoft.com/office/drawing/2014/main" id="{AC779F8A-D9B3-4AC4-8510-E875A2A4FC66}"/>
               </a:ext>
             </a:extLst>
           </p:cNvPr>
@@ -7601,7 +7588,7 @@
           <p:cNvPr id="4" name="Espace réservé du numéro de diapositive 3">
             <a:extLst>
               <a:ext uri="{FF2B5EF4-FFF2-40B4-BE49-F238E27FC236}">
-                <a16:creationId xmlns:a16="http://schemas.microsoft.com/office/drawing/2014/main" xmlns="" id="{5BF4ED0F-7E26-4AF5-9CC7-2591D2236898}"/>
+                <a16:creationId xmlns="" xmlns:a16="http://schemas.microsoft.com/office/drawing/2014/main" id="{5BF4ED0F-7E26-4AF5-9CC7-2591D2236898}"/>
               </a:ext>
             </a:extLst>
           </p:cNvPr>
@@ -7630,7 +7617,7 @@
           <p:cNvPr id="5" name="Image 4">
             <a:extLst>
               <a:ext uri="{FF2B5EF4-FFF2-40B4-BE49-F238E27FC236}">
-                <a16:creationId xmlns:a16="http://schemas.microsoft.com/office/drawing/2014/main" xmlns="" id="{F0BF4EF9-1902-4A7B-B859-5AE5D70155ED}"/>
+                <a16:creationId xmlns="" xmlns:a16="http://schemas.microsoft.com/office/drawing/2014/main" id="{F0BF4EF9-1902-4A7B-B859-5AE5D70155ED}"/>
               </a:ext>
             </a:extLst>
           </p:cNvPr>
@@ -7666,7 +7653,7 @@
           <p:cNvPr id="6" name="Espace réservé du contenu 12">
             <a:extLst>
               <a:ext uri="{FF2B5EF4-FFF2-40B4-BE49-F238E27FC236}">
-                <a16:creationId xmlns:a16="http://schemas.microsoft.com/office/drawing/2014/main" xmlns="" id="{019E807C-BDDE-4D24-9469-822AB213CBAA}"/>
+                <a16:creationId xmlns="" xmlns:a16="http://schemas.microsoft.com/office/drawing/2014/main" id="{019E807C-BDDE-4D24-9469-822AB213CBAA}"/>
               </a:ext>
             </a:extLst>
           </p:cNvPr>
@@ -7697,14 +7684,14 @@
           </a:prstGeom>
         </p:spPr>
       </p:pic>
-      <mc:AlternateContent xmlns:mc="http://schemas.openxmlformats.org/markup-compatibility/2006">
-        <mc:Choice xmlns:a14="http://schemas.microsoft.com/office/drawing/2010/main" Requires="a14">
+      <mc:AlternateContent xmlns:mc="http://schemas.openxmlformats.org/markup-compatibility/2006" xmlns:a14="http://schemas.microsoft.com/office/drawing/2010/main">
+        <mc:Choice Requires="a14">
           <p:sp>
             <p:nvSpPr>
               <p:cNvPr id="7" name="ZoneTexte 13">
                 <a:extLst>
                   <a:ext uri="{FF2B5EF4-FFF2-40B4-BE49-F238E27FC236}">
-                    <a16:creationId xmlns:a16="http://schemas.microsoft.com/office/drawing/2014/main" xmlns="" id="{63A6124A-A908-4E67-A457-BEDC5B6B2953}"/>
+                    <a16:creationId xmlns="" xmlns:a16="http://schemas.microsoft.com/office/drawing/2014/main" id="{63A6124A-A908-4E67-A457-BEDC5B6B2953}"/>
                   </a:ext>
                 </a:extLst>
               </p:cNvPr>
@@ -7822,7 +7809,7 @@
               </a:lstStyle>
               <a:p>
                 <a14:m>
-                  <m:oMathPara xmlns:m="http://schemas.openxmlformats.org/officeDocument/2006/math" xmlns="">
+                  <m:oMathPara xmlns="" xmlns:m="http://schemas.openxmlformats.org/officeDocument/2006/math">
                     <m:oMathParaPr>
                       <m:jc m:val="centerGroup"/>
                     </m:oMathParaPr>
@@ -7884,7 +7871,7 @@
             </p:txBody>
           </p:sp>
         </mc:Choice>
-        <mc:Fallback>
+        <mc:Fallback xmlns="">
           <p:sp>
             <p:nvSpPr>
               <p:cNvPr id="7" name="ZoneTexte 13">
@@ -7934,7 +7921,7 @@
           <p:cNvPr id="9" name="ZoneTexte 8">
             <a:extLst>
               <a:ext uri="{FF2B5EF4-FFF2-40B4-BE49-F238E27FC236}">
-                <a16:creationId xmlns:a16="http://schemas.microsoft.com/office/drawing/2014/main" xmlns="" id="{FBD156B3-09D3-441E-8EBC-252BD8CDCC74}"/>
+                <a16:creationId xmlns="" xmlns:a16="http://schemas.microsoft.com/office/drawing/2014/main" id="{FBD156B3-09D3-441E-8EBC-252BD8CDCC74}"/>
               </a:ext>
             </a:extLst>
           </p:cNvPr>
@@ -7969,7 +7956,7 @@
           <p:cNvPr id="10" name="ZoneTexte 9">
             <a:extLst>
               <a:ext uri="{FF2B5EF4-FFF2-40B4-BE49-F238E27FC236}">
-                <a16:creationId xmlns:a16="http://schemas.microsoft.com/office/drawing/2014/main" xmlns="" id="{93A39393-1D8C-4BE9-A7D9-B944BB068321}"/>
+                <a16:creationId xmlns="" xmlns:a16="http://schemas.microsoft.com/office/drawing/2014/main" id="{93A39393-1D8C-4BE9-A7D9-B944BB068321}"/>
               </a:ext>
             </a:extLst>
           </p:cNvPr>
@@ -8039,7 +8026,6 @@
               <a:rPr lang="fr-FR" sz="2400" dirty="0"/>
               <a:t>°C</a:t>
             </a:r>
-            <a:endParaRPr lang="fr-FR" sz="2400" dirty="0"/>
           </a:p>
         </p:txBody>
       </p:sp>
@@ -8079,7 +8065,6 @@
               <a:rPr lang="fr-FR" sz="2400" dirty="0"/>
               <a:t>=131 °C</a:t>
             </a:r>
-            <a:endParaRPr lang="fr-FR" sz="2400" dirty="0"/>
           </a:p>
         </p:txBody>
       </p:sp>
@@ -8212,7 +8197,7 @@
           <p:cNvPr id="2" name="Titre 1">
             <a:extLst>
               <a:ext uri="{FF2B5EF4-FFF2-40B4-BE49-F238E27FC236}">
-                <a16:creationId xmlns:a16="http://schemas.microsoft.com/office/drawing/2014/main" xmlns="" id="{3AE757E1-D184-44A5-95F9-E8E5C3856E8F}"/>
+                <a16:creationId xmlns="" xmlns:a16="http://schemas.microsoft.com/office/drawing/2014/main" id="{3AE757E1-D184-44A5-95F9-E8E5C3856E8F}"/>
               </a:ext>
             </a:extLst>
           </p:cNvPr>
@@ -8249,7 +8234,7 @@
           <p:cNvPr id="3" name="Espace réservé du numéro de diapositive 2">
             <a:extLst>
               <a:ext uri="{FF2B5EF4-FFF2-40B4-BE49-F238E27FC236}">
-                <a16:creationId xmlns:a16="http://schemas.microsoft.com/office/drawing/2014/main" xmlns="" id="{222F56F0-4C0C-44DD-A933-83723CC083DD}"/>
+                <a16:creationId xmlns="" xmlns:a16="http://schemas.microsoft.com/office/drawing/2014/main" id="{222F56F0-4C0C-44DD-A933-83723CC083DD}"/>
               </a:ext>
             </a:extLst>
           </p:cNvPr>
@@ -8278,7 +8263,7 @@
           <p:cNvPr id="20" name="Rectangle 19">
             <a:extLst>
               <a:ext uri="{FF2B5EF4-FFF2-40B4-BE49-F238E27FC236}">
-                <a16:creationId xmlns:a16="http://schemas.microsoft.com/office/drawing/2014/main" xmlns="" id="{73B08D84-AB43-40E3-BFE6-865EFD5B10C9}"/>
+                <a16:creationId xmlns="" xmlns:a16="http://schemas.microsoft.com/office/drawing/2014/main" id="{73B08D84-AB43-40E3-BFE6-865EFD5B10C9}"/>
               </a:ext>
             </a:extLst>
           </p:cNvPr>
@@ -8302,11 +8287,7 @@
           <a:p>
             <a:r>
               <a:rPr lang="fr-FR" b="1" u="sng" dirty="0" smtClean="0"/>
-              <a:t>Chimie PCSI, Tou</a:t>
-            </a:r>
-            <a:r>
-              <a:rPr lang="fr-FR" b="1" u="sng" dirty="0" smtClean="0"/>
-              <a:t>t-en-un SCHOTT</a:t>
+              <a:t>Chimie PCSI, Tout-en-un SCHOTT</a:t>
             </a:r>
             <a:endParaRPr lang="fr-FR" b="1" u="sng" dirty="0"/>
           </a:p>
@@ -8317,7 +8298,7 @@
           <p:cNvPr id="22" name="Rectangle 21">
             <a:extLst>
               <a:ext uri="{FF2B5EF4-FFF2-40B4-BE49-F238E27FC236}">
-                <a16:creationId xmlns:a16="http://schemas.microsoft.com/office/drawing/2014/main" xmlns="" id="{7702720D-502B-4649-9B0E-5C9EBDE6083C}"/>
+                <a16:creationId xmlns="" xmlns:a16="http://schemas.microsoft.com/office/drawing/2014/main" id="{7702720D-502B-4649-9B0E-5C9EBDE6083C}"/>
               </a:ext>
             </a:extLst>
           </p:cNvPr>
@@ -8581,7 +8562,7 @@
           <p:cNvPr id="2" name="Titre 1">
             <a:extLst>
               <a:ext uri="{FF2B5EF4-FFF2-40B4-BE49-F238E27FC236}">
-                <a16:creationId xmlns:a16="http://schemas.microsoft.com/office/drawing/2014/main" xmlns="" id="{9457543E-AF59-436B-8B9A-FAF5F8360211}"/>
+                <a16:creationId xmlns="" xmlns:a16="http://schemas.microsoft.com/office/drawing/2014/main" id="{9457543E-AF59-436B-8B9A-FAF5F8360211}"/>
               </a:ext>
             </a:extLst>
           </p:cNvPr>
@@ -8609,7 +8590,7 @@
           <p:cNvPr id="3" name="Espace réservé du numéro de diapositive 2">
             <a:extLst>
               <a:ext uri="{FF2B5EF4-FFF2-40B4-BE49-F238E27FC236}">
-                <a16:creationId xmlns:a16="http://schemas.microsoft.com/office/drawing/2014/main" xmlns="" id="{94E8474B-FE5F-46E4-82F3-B294F6033F5F}"/>
+                <a16:creationId xmlns="" xmlns:a16="http://schemas.microsoft.com/office/drawing/2014/main" id="{94E8474B-FE5F-46E4-82F3-B294F6033F5F}"/>
               </a:ext>
             </a:extLst>
           </p:cNvPr>
@@ -8638,7 +8619,7 @@
           <p:cNvPr id="4" name="Picture 8" descr="Résultat de recherche d'images pour &quot;kevlar&quot;">
             <a:extLst>
               <a:ext uri="{FF2B5EF4-FFF2-40B4-BE49-F238E27FC236}">
-                <a16:creationId xmlns:a16="http://schemas.microsoft.com/office/drawing/2014/main" xmlns="" id="{1BB70103-0F18-4FF6-A760-24A007CB46A4}"/>
+                <a16:creationId xmlns="" xmlns:a16="http://schemas.microsoft.com/office/drawing/2014/main" id="{1BB70103-0F18-4FF6-A760-24A007CB46A4}"/>
               </a:ext>
             </a:extLst>
           </p:cNvPr>
@@ -8685,7 +8666,7 @@
           <p:cNvPr id="5" name="Picture 2">
             <a:extLst>
               <a:ext uri="{FF2B5EF4-FFF2-40B4-BE49-F238E27FC236}">
-                <a16:creationId xmlns:a16="http://schemas.microsoft.com/office/drawing/2014/main" xmlns="" id="{D73FFF26-C1D8-4F64-B734-90E4551FD4C6}"/>
+                <a16:creationId xmlns="" xmlns:a16="http://schemas.microsoft.com/office/drawing/2014/main" id="{D73FFF26-C1D8-4F64-B734-90E4551FD4C6}"/>
               </a:ext>
             </a:extLst>
           </p:cNvPr>
@@ -8762,7 +8743,7 @@
           <p:cNvPr id="2" name="Titre 1">
             <a:extLst>
               <a:ext uri="{FF2B5EF4-FFF2-40B4-BE49-F238E27FC236}">
-                <a16:creationId xmlns:a16="http://schemas.microsoft.com/office/drawing/2014/main" xmlns="" id="{9AB24897-5A4A-4C9A-ADD0-8D9AC6143970}"/>
+                <a16:creationId xmlns="" xmlns:a16="http://schemas.microsoft.com/office/drawing/2014/main" id="{9AB24897-5A4A-4C9A-ADD0-8D9AC6143970}"/>
               </a:ext>
             </a:extLst>
           </p:cNvPr>
@@ -8790,7 +8771,7 @@
           <p:cNvPr id="3" name="Espace réservé du numéro de diapositive 2">
             <a:extLst>
               <a:ext uri="{FF2B5EF4-FFF2-40B4-BE49-F238E27FC236}">
-                <a16:creationId xmlns:a16="http://schemas.microsoft.com/office/drawing/2014/main" xmlns="" id="{4CD902C9-3F9E-4353-B262-EA521F5366C7}"/>
+                <a16:creationId xmlns="" xmlns:a16="http://schemas.microsoft.com/office/drawing/2014/main" id="{4CD902C9-3F9E-4353-B262-EA521F5366C7}"/>
               </a:ext>
             </a:extLst>
           </p:cNvPr>
@@ -8818,7 +8799,7 @@
         <mc:Choice xmlns:a14="http://schemas.microsoft.com/office/drawing/2010/main" Requires="a14">
           <p:graphicFrame>
             <p:nvGraphicFramePr>
-              <p:cNvPr id="5" name="Tableau 4">
+              <p:cNvPr id="6" name="Tableau 5">
                 <a:extLst>
                   <a:ext uri="{FF2B5EF4-FFF2-40B4-BE49-F238E27FC236}">
                     <a16:creationId xmlns:a16="http://schemas.microsoft.com/office/drawing/2014/main" xmlns="" id="{6BE70A79-0B1B-4F38-AB6A-EB68CE79E69E}"/>
@@ -8831,14 +8812,14 @@
               <p:nvPr>
                 <p:extLst>
                   <p:ext uri="{D42A27DB-BD31-4B8C-83A1-F6EECF244321}">
-                    <p14:modId xmlns:p14="http://schemas.microsoft.com/office/powerpoint/2010/main" val="4212721170"/>
+                    <p14:modId xmlns:p14="http://schemas.microsoft.com/office/powerpoint/2010/main" val="1969934759"/>
                   </p:ext>
                 </p:extLst>
               </p:nvPr>
             </p:nvGraphicFramePr>
             <p:xfrm>
               <a:off x="622852" y="1895061"/>
-              <a:ext cx="11105322" cy="4653030"/>
+              <a:ext cx="11105322" cy="4359893"/>
             </p:xfrm>
             <a:graphic>
               <a:graphicData uri="http://schemas.openxmlformats.org/drawingml/2006/table">
@@ -8938,7 +8919,7 @@
                         <a:p>
                           <a:pPr algn="ctr"/>
                           <a:r>
-                            <a:rPr lang="fr-FR" sz="2400" b="1" dirty="0" smtClean="0">
+                            <a:rPr lang="fr-FR" sz="2400" b="1" dirty="0">
                               <a:effectLst>
                                 <a:outerShdw blurRad="38100" dist="38100" dir="2700000" algn="tl">
                                   <a:srgbClr val="000000">
@@ -8947,29 +8928,8 @@
                                 </a:outerShdw>
                               </a:effectLst>
                             </a:rPr>
-                            <a:t>Ordre de grandeur</a:t>
+                            <a:t>Énergie molaire typique</a:t>
                           </a:r>
-                          <a:r>
-                            <a:rPr lang="fr-FR" sz="2400" b="1" baseline="0" dirty="0" smtClean="0">
-                              <a:effectLst>
-                                <a:outerShdw blurRad="38100" dist="38100" dir="2700000" algn="tl">
-                                  <a:srgbClr val="000000">
-                                    <a:alpha val="43137"/>
-                                  </a:srgbClr>
-                                </a:outerShdw>
-                              </a:effectLst>
-                            </a:rPr>
-                            <a:t> de l’énergie molaire</a:t>
-                          </a:r>
-                          <a:endParaRPr lang="fr-FR" sz="2400" b="1" dirty="0">
-                            <a:effectLst>
-                              <a:outerShdw blurRad="38100" dist="38100" dir="2700000" algn="tl">
-                                <a:srgbClr val="000000">
-                                  <a:alpha val="43137"/>
-                                </a:srgbClr>
-                              </a:outerShdw>
-                            </a:effectLst>
-                          </a:endParaRPr>
                         </a:p>
                       </a:txBody>
                       <a:tcPr anchor="ctr"/>
@@ -9431,12 +9391,8 @@
                         <a:p>
                           <a:pPr algn="ctr"/>
                           <a:r>
-                            <a:rPr lang="fr-FR" sz="2400" i="0" dirty="0" smtClean="0"/>
-                            <a:t>Eau</a:t>
-                          </a:r>
-                          <a:r>
-                            <a:rPr lang="fr-FR" sz="2400" i="0" baseline="0" dirty="0" smtClean="0"/>
-                            <a:t> (liquide ou solide)</a:t>
+                            <a:rPr lang="fr-FR" sz="2400" dirty="0"/>
+                            <a:t>glace</a:t>
                           </a:r>
                           <a:endParaRPr lang="fr-FR" sz="2400" i="0" dirty="0"/>
                         </a:p>
@@ -9485,7 +9441,7 @@
         <mc:Fallback>
           <p:graphicFrame>
             <p:nvGraphicFramePr>
-              <p:cNvPr id="5" name="Tableau 4">
+              <p:cNvPr id="6" name="Tableau 5">
                 <a:extLst>
                   <a:ext uri="{FF2B5EF4-FFF2-40B4-BE49-F238E27FC236}">
                     <a16:creationId xmlns:a16="http://schemas.microsoft.com/office/drawing/2014/main" xmlns:a14="http://schemas.microsoft.com/office/drawing/2010/main" xmlns="" id="{6BE70A79-0B1B-4F38-AB6A-EB68CE79E69E}"/>
@@ -9498,14 +9454,14 @@
               <p:nvPr>
                 <p:extLst>
                   <p:ext uri="{D42A27DB-BD31-4B8C-83A1-F6EECF244321}">
-                    <p14:modId xmlns:p14="http://schemas.microsoft.com/office/powerpoint/2010/main" val="4212721170"/>
+                    <p14:modId xmlns:p14="http://schemas.microsoft.com/office/powerpoint/2010/main" val="1969934759"/>
                   </p:ext>
                 </p:extLst>
               </p:nvPr>
             </p:nvGraphicFramePr>
             <p:xfrm>
               <a:off x="622852" y="1895061"/>
-              <a:ext cx="11105322" cy="4653030"/>
+              <a:ext cx="11105322" cy="4359893"/>
             </p:xfrm>
             <a:graphic>
               <a:graphicData uri="http://schemas.openxmlformats.org/drawingml/2006/table">
@@ -9605,7 +9561,7 @@
                         <a:p>
                           <a:pPr algn="ctr"/>
                           <a:r>
-                            <a:rPr lang="fr-FR" sz="2400" b="1" dirty="0" smtClean="0">
+                            <a:rPr lang="fr-FR" sz="2400" b="1" dirty="0">
                               <a:effectLst>
                                 <a:outerShdw blurRad="38100" dist="38100" dir="2700000" algn="tl">
                                   <a:srgbClr val="000000">
@@ -9614,29 +9570,8 @@
                                 </a:outerShdw>
                               </a:effectLst>
                             </a:rPr>
-                            <a:t>Ordre de grandeur</a:t>
+                            <a:t>Énergie molaire typique</a:t>
                           </a:r>
-                          <a:r>
-                            <a:rPr lang="fr-FR" sz="2400" b="1" baseline="0" dirty="0" smtClean="0">
-                              <a:effectLst>
-                                <a:outerShdw blurRad="38100" dist="38100" dir="2700000" algn="tl">
-                                  <a:srgbClr val="000000">
-                                    <a:alpha val="43137"/>
-                                  </a:srgbClr>
-                                </a:outerShdw>
-                              </a:effectLst>
-                            </a:rPr>
-                            <a:t> de l’énergie molaire</a:t>
-                          </a:r>
-                          <a:endParaRPr lang="fr-FR" sz="2400" b="1" dirty="0">
-                            <a:effectLst>
-                              <a:outerShdw blurRad="38100" dist="38100" dir="2700000" algn="tl">
-                                <a:srgbClr val="000000">
-                                  <a:alpha val="43137"/>
-                                </a:srgbClr>
-                              </a:outerShdw>
-                            </a:effectLst>
-                          </a:endParaRPr>
                         </a:p>
                       </a:txBody>
                       <a:tcPr anchor="ctr"/>
@@ -9704,7 +9639,7 @@
                         <a:blipFill rotWithShape="1">
                           <a:blip r:embed="rId2"/>
                           <a:stretch>
-                            <a:fillRect l="-224938" t="-156322" r="-124938" b="-622989"/>
+                            <a:fillRect l="-224938" t="-156322" r="-124938" b="-567816"/>
                           </a:stretch>
                         </a:blipFill>
                       </a:tcPr>
@@ -9721,7 +9656,7 @@
                         <a:blipFill rotWithShape="1">
                           <a:blip r:embed="rId2"/>
                           <a:stretch>
-                            <a:fillRect l="-260079" t="-156322" b="-622989"/>
+                            <a:fillRect l="-260079" t="-156322" b="-567816"/>
                           </a:stretch>
                         </a:blipFill>
                       </a:tcPr>
@@ -9777,7 +9712,7 @@
                         <a:blipFill rotWithShape="1">
                           <a:blip r:embed="rId2"/>
                           <a:stretch>
-                            <a:fillRect l="-224938" t="-256322" r="-124938" b="-522989"/>
+                            <a:fillRect l="-224938" t="-256322" r="-124938" b="-467816"/>
                           </a:stretch>
                         </a:blipFill>
                       </a:tcPr>
@@ -9794,7 +9729,7 @@
                         <a:blipFill rotWithShape="1">
                           <a:blip r:embed="rId2"/>
                           <a:stretch>
-                            <a:fillRect l="-260079" t="-256322" b="-522989"/>
+                            <a:fillRect l="-260079" t="-256322" b="-467816"/>
                           </a:stretch>
                         </a:blipFill>
                       </a:tcPr>
@@ -9850,7 +9785,7 @@
                         <a:blipFill rotWithShape="1">
                           <a:blip r:embed="rId2"/>
                           <a:stretch>
-                            <a:fillRect l="-224938" t="-356322" r="-124938" b="-422989"/>
+                            <a:fillRect l="-224938" t="-356322" r="-124938" b="-367816"/>
                           </a:stretch>
                         </a:blipFill>
                       </a:tcPr>
@@ -9867,7 +9802,7 @@
                         <a:blipFill rotWithShape="1">
                           <a:blip r:embed="rId2"/>
                           <a:stretch>
-                            <a:fillRect l="-260079" t="-356322" b="-422989"/>
+                            <a:fillRect l="-260079" t="-356322" b="-367816"/>
                           </a:stretch>
                         </a:blipFill>
                       </a:tcPr>
@@ -9924,7 +9859,7 @@
                         <a:blipFill rotWithShape="1">
                           <a:blip r:embed="rId2"/>
                           <a:stretch>
-                            <a:fillRect l="-224938" t="-273793" r="-124938" b="-153793"/>
+                            <a:fillRect l="-224938" t="-273793" r="-124938" b="-120690"/>
                           </a:stretch>
                         </a:blipFill>
                       </a:tcPr>
@@ -9941,7 +9876,7 @@
                         <a:blipFill rotWithShape="1">
                           <a:blip r:embed="rId2"/>
                           <a:stretch>
-                            <a:fillRect l="-260079" t="-273793" b="-153793"/>
+                            <a:fillRect l="-260079" t="-273793" b="-120690"/>
                           </a:stretch>
                         </a:blipFill>
                       </a:tcPr>
@@ -10012,7 +9947,7 @@
                         <a:blipFill rotWithShape="1">
                           <a:blip r:embed="rId2"/>
                           <a:stretch>
-                            <a:fillRect l="-260079" t="-622989" b="-156322"/>
+                            <a:fillRect l="-260079" t="-622989" b="-101149"/>
                           </a:stretch>
                         </a:blipFill>
                       </a:tcPr>
@@ -10023,7 +9958,7 @@
                       </a:ext>
                     </a:extLst>
                   </a:tr>
-                  <a:tr h="822960">
+                  <a:tr h="529823">
                     <a:tc gridSpan="2">
                       <a:txBody>
                         <a:bodyPr/>
@@ -10063,12 +9998,8 @@
                         <a:p>
                           <a:pPr algn="ctr"/>
                           <a:r>
-                            <a:rPr lang="fr-FR" sz="2400" i="0" dirty="0" smtClean="0"/>
-                            <a:t>Eau</a:t>
-                          </a:r>
-                          <a:r>
-                            <a:rPr lang="fr-FR" sz="2400" i="0" baseline="0" dirty="0" smtClean="0"/>
-                            <a:t> (liquide ou solide)</a:t>
+                            <a:rPr lang="fr-FR" sz="2400" dirty="0"/>
+                            <a:t>glace</a:t>
                           </a:r>
                           <a:endParaRPr lang="fr-FR" sz="2400" i="0" dirty="0"/>
                         </a:p>
@@ -10087,7 +10018,7 @@
                         <a:blipFill rotWithShape="1">
                           <a:blip r:embed="rId2"/>
                           <a:stretch>
-                            <a:fillRect l="-260079" t="-465926" b="-741"/>
+                            <a:fillRect l="-260079" t="-722989" b="-1149"/>
                           </a:stretch>
                         </a:blipFill>
                       </a:tcPr>
@@ -10139,7 +10070,7 @@
           <p:cNvPr id="2" name="Titre 1">
             <a:extLst>
               <a:ext uri="{FF2B5EF4-FFF2-40B4-BE49-F238E27FC236}">
-                <a16:creationId xmlns:a16="http://schemas.microsoft.com/office/drawing/2014/main" xmlns="" id="{BC96CD0A-FEB6-4EA7-AE0C-4B5FFBDBFAD2}"/>
+                <a16:creationId xmlns="" xmlns:a16="http://schemas.microsoft.com/office/drawing/2014/main" id="{BC96CD0A-FEB6-4EA7-AE0C-4B5FFBDBFAD2}"/>
               </a:ext>
             </a:extLst>
           </p:cNvPr>
@@ -10168,7 +10099,7 @@
           <p:cNvPr id="3" name="Espace réservé du numéro de diapositive 2">
             <a:extLst>
               <a:ext uri="{FF2B5EF4-FFF2-40B4-BE49-F238E27FC236}">
-                <a16:creationId xmlns:a16="http://schemas.microsoft.com/office/drawing/2014/main" xmlns="" id="{D8655029-C180-40C9-8FCE-8F359E63A224}"/>
+                <a16:creationId xmlns="" xmlns:a16="http://schemas.microsoft.com/office/drawing/2014/main" id="{D8655029-C180-40C9-8FCE-8F359E63A224}"/>
               </a:ext>
             </a:extLst>
           </p:cNvPr>
@@ -10197,7 +10128,7 @@
           <p:cNvPr id="5" name="ZoneTexte 4">
             <a:extLst>
               <a:ext uri="{FF2B5EF4-FFF2-40B4-BE49-F238E27FC236}">
-                <a16:creationId xmlns:a16="http://schemas.microsoft.com/office/drawing/2014/main" xmlns="" id="{421123A0-CD3B-4475-A951-614EFCF91A0C}"/>
+                <a16:creationId xmlns="" xmlns:a16="http://schemas.microsoft.com/office/drawing/2014/main" id="{421123A0-CD3B-4475-A951-614EFCF91A0C}"/>
               </a:ext>
             </a:extLst>
           </p:cNvPr>
@@ -10232,7 +10163,7 @@
           <p:cNvPr id="7" name="Groupe 6">
             <a:extLst>
               <a:ext uri="{FF2B5EF4-FFF2-40B4-BE49-F238E27FC236}">
-                <a16:creationId xmlns:a16="http://schemas.microsoft.com/office/drawing/2014/main" xmlns="" id="{73741DEA-292B-4B13-A673-98AF3840F12D}"/>
+                <a16:creationId xmlns="" xmlns:a16="http://schemas.microsoft.com/office/drawing/2014/main" id="{73741DEA-292B-4B13-A673-98AF3840F12D}"/>
               </a:ext>
             </a:extLst>
           </p:cNvPr>
@@ -10252,7 +10183,7 @@
             <p:cNvPr id="7172" name="Picture 4" descr="Mécanisme réactionnels">
               <a:extLst>
                 <a:ext uri="{FF2B5EF4-FFF2-40B4-BE49-F238E27FC236}">
-                  <a16:creationId xmlns:a16="http://schemas.microsoft.com/office/drawing/2014/main" xmlns="" id="{5973FBFB-4EB1-45EF-B4FE-F32321BBA2A5}"/>
+                  <a16:creationId xmlns="" xmlns:a16="http://schemas.microsoft.com/office/drawing/2014/main" id="{5973FBFB-4EB1-45EF-B4FE-F32321BBA2A5}"/>
                 </a:ext>
               </a:extLst>
             </p:cNvPr>
@@ -10299,7 +10230,7 @@
             <p:cNvPr id="6" name="Rectangle 5">
               <a:extLst>
                 <a:ext uri="{FF2B5EF4-FFF2-40B4-BE49-F238E27FC236}">
-                  <a16:creationId xmlns:a16="http://schemas.microsoft.com/office/drawing/2014/main" xmlns="" id="{FF3D3865-44D7-4775-9FFA-67B2BD9D2F60}"/>
+                  <a16:creationId xmlns="" xmlns:a16="http://schemas.microsoft.com/office/drawing/2014/main" id="{FF3D3865-44D7-4775-9FFA-67B2BD9D2F60}"/>
                 </a:ext>
               </a:extLst>
             </p:cNvPr>
@@ -10684,7 +10615,6 @@
               <a:rPr lang="fr-FR" b="1" dirty="0"/>
               <a:t>son représentés par des tirets. </a:t>
             </a:r>
-            <a:endParaRPr lang="fr-FR" b="1" dirty="0"/>
           </a:p>
           <a:p>
             <a:endParaRPr lang="fr-FR" dirty="0"/>
@@ -12891,7 +12821,7 @@
   <a:extraClrSchemeLst/>
   <a:extLst>
     <a:ext uri="{05A4C25C-085E-4340-85A3-A5531E510DB2}">
-      <thm15:themeFamily xmlns="" xmlns:thm15="http://schemas.microsoft.com/office/thememl/2012/main" name="Office Theme" id="{62F939B6-93AF-4DB8-9C6B-D6C7DFDC589F}" vid="{4A3C46E8-61CC-4603-A589-7422A47A8E4A}"/>
+      <thm15:themeFamily xmlns:thm15="http://schemas.microsoft.com/office/thememl/2012/main" xmlns="" name="Office Theme" id="{62F939B6-93AF-4DB8-9C6B-D6C7DFDC589F}" vid="{4A3C46E8-61CC-4603-A589-7422A47A8E4A}"/>
     </a:ext>
   </a:extLst>
 </a:theme>
